--- a/Manual do colaborador.pptx
+++ b/Manual do colaborador.pptx
@@ -108,6 +108,11 @@
       </a:defRPr>
     </a:lvl9pPr>
   </p:defaultTextStyle>
+  <p:extLst>
+    <p:ext uri="{EFAFB233-063F-42B5-8137-9DF3F51BA10A}">
+      <p15:sldGuideLst xmlns:p15="http://schemas.microsoft.com/office/powerpoint/2012/main"/>
+    </p:ext>
+  </p:extLst>
 </p:presentation>
 </file>
 
@@ -258,7 +263,7 @@
           <a:p>
             <a:fld id="{F2F64CAF-B932-423C-9A27-F618084423BC}" type="datetimeFigureOut">
               <a:rPr lang="pt-PT" smtClean="0"/>
-              <a:t>01/08/2025</a:t>
+              <a:t>11/09/2025</a:t>
             </a:fld>
             <a:endParaRPr lang="pt-PT"/>
           </a:p>
@@ -456,7 +461,7 @@
           <a:p>
             <a:fld id="{F2F64CAF-B932-423C-9A27-F618084423BC}" type="datetimeFigureOut">
               <a:rPr lang="pt-PT" smtClean="0"/>
-              <a:t>01/08/2025</a:t>
+              <a:t>11/09/2025</a:t>
             </a:fld>
             <a:endParaRPr lang="pt-PT"/>
           </a:p>
@@ -664,7 +669,7 @@
           <a:p>
             <a:fld id="{F2F64CAF-B932-423C-9A27-F618084423BC}" type="datetimeFigureOut">
               <a:rPr lang="pt-PT" smtClean="0"/>
-              <a:t>01/08/2025</a:t>
+              <a:t>11/09/2025</a:t>
             </a:fld>
             <a:endParaRPr lang="pt-PT"/>
           </a:p>
@@ -862,7 +867,7 @@
           <a:p>
             <a:fld id="{F2F64CAF-B932-423C-9A27-F618084423BC}" type="datetimeFigureOut">
               <a:rPr lang="pt-PT" smtClean="0"/>
-              <a:t>01/08/2025</a:t>
+              <a:t>11/09/2025</a:t>
             </a:fld>
             <a:endParaRPr lang="pt-PT"/>
           </a:p>
@@ -1137,7 +1142,7 @@
           <a:p>
             <a:fld id="{F2F64CAF-B932-423C-9A27-F618084423BC}" type="datetimeFigureOut">
               <a:rPr lang="pt-PT" smtClean="0"/>
-              <a:t>01/08/2025</a:t>
+              <a:t>11/09/2025</a:t>
             </a:fld>
             <a:endParaRPr lang="pt-PT"/>
           </a:p>
@@ -1402,7 +1407,7 @@
           <a:p>
             <a:fld id="{F2F64CAF-B932-423C-9A27-F618084423BC}" type="datetimeFigureOut">
               <a:rPr lang="pt-PT" smtClean="0"/>
-              <a:t>01/08/2025</a:t>
+              <a:t>11/09/2025</a:t>
             </a:fld>
             <a:endParaRPr lang="pt-PT"/>
           </a:p>
@@ -1814,7 +1819,7 @@
           <a:p>
             <a:fld id="{F2F64CAF-B932-423C-9A27-F618084423BC}" type="datetimeFigureOut">
               <a:rPr lang="pt-PT" smtClean="0"/>
-              <a:t>01/08/2025</a:t>
+              <a:t>11/09/2025</a:t>
             </a:fld>
             <a:endParaRPr lang="pt-PT"/>
           </a:p>
@@ -1955,7 +1960,7 @@
           <a:p>
             <a:fld id="{F2F64CAF-B932-423C-9A27-F618084423BC}" type="datetimeFigureOut">
               <a:rPr lang="pt-PT" smtClean="0"/>
-              <a:t>01/08/2025</a:t>
+              <a:t>11/09/2025</a:t>
             </a:fld>
             <a:endParaRPr lang="pt-PT"/>
           </a:p>
@@ -2068,7 +2073,7 @@
           <a:p>
             <a:fld id="{F2F64CAF-B932-423C-9A27-F618084423BC}" type="datetimeFigureOut">
               <a:rPr lang="pt-PT" smtClean="0"/>
-              <a:t>01/08/2025</a:t>
+              <a:t>11/09/2025</a:t>
             </a:fld>
             <a:endParaRPr lang="pt-PT"/>
           </a:p>
@@ -2379,7 +2384,7 @@
           <a:p>
             <a:fld id="{F2F64CAF-B932-423C-9A27-F618084423BC}" type="datetimeFigureOut">
               <a:rPr lang="pt-PT" smtClean="0"/>
-              <a:t>01/08/2025</a:t>
+              <a:t>11/09/2025</a:t>
             </a:fld>
             <a:endParaRPr lang="pt-PT"/>
           </a:p>
@@ -2667,7 +2672,7 @@
           <a:p>
             <a:fld id="{F2F64CAF-B932-423C-9A27-F618084423BC}" type="datetimeFigureOut">
               <a:rPr lang="pt-PT" smtClean="0"/>
-              <a:t>01/08/2025</a:t>
+              <a:t>11/09/2025</a:t>
             </a:fld>
             <a:endParaRPr lang="pt-PT"/>
           </a:p>
@@ -2911,7 +2916,7 @@
           <a:p>
             <a:fld id="{F2F64CAF-B932-423C-9A27-F618084423BC}" type="datetimeFigureOut">
               <a:rPr lang="pt-PT" smtClean="0"/>
-              <a:t>01/08/2025</a:t>
+              <a:t>11/09/2025</a:t>
             </a:fld>
             <a:endParaRPr lang="pt-PT"/>
           </a:p>
@@ -3422,7 +3427,7 @@
         </p:blipFill>
         <p:spPr>
           <a:xfrm>
-            <a:off x="0" y="0"/>
+            <a:off x="0" y="9832"/>
             <a:ext cx="2491310" cy="2474279"/>
           </a:xfrm>
           <a:prstGeom prst="rect">

--- a/Manual do colaborador.pptx
+++ b/Manual do colaborador.pptx
@@ -13,6 +13,9 @@
   </p:sldIdLst>
   <p:sldSz cx="12188825" cy="6858000"/>
   <p:notesSz cx="6858000" cy="9144000"/>
+  <p:custDataLst>
+    <p:tags r:id="rId7"/>
+  </p:custDataLst>
   <p:defaultTextStyle>
     <a:defPPr>
       <a:defRPr lang="en-US"/>
@@ -583,7 +586,7 @@
           <a:p>
             <a:fld id="{5BCAD085-E8A6-8845-BD4E-CB4CCA059FC4}" type="datetimeFigureOut">
               <a:rPr lang="en-US" smtClean="0"/>
-              <a:t>9/15/2025</a:t>
+              <a:t>9/18/2025</a:t>
             </a:fld>
             <a:endParaRPr lang="en-US"/>
           </a:p>
@@ -625,7 +628,7 @@
           <a:p>
             <a:fld id="{C1FF6DA9-008F-8B48-92A6-B652298478BF}" type="slidenum">
               <a:rPr lang="en-US" smtClean="0"/>
-              <a:t>‹nº›</a:t>
+              <a:t>‹#›</a:t>
             </a:fld>
             <a:endParaRPr lang="en-US"/>
           </a:p>
@@ -751,7 +754,7 @@
           <a:p>
             <a:fld id="{5BCAD085-E8A6-8845-BD4E-CB4CCA059FC4}" type="datetimeFigureOut">
               <a:rPr lang="en-US" smtClean="0"/>
-              <a:t>9/15/2025</a:t>
+              <a:t>9/18/2025</a:t>
             </a:fld>
             <a:endParaRPr lang="en-US"/>
           </a:p>
@@ -793,7 +796,7 @@
           <a:p>
             <a:fld id="{C1FF6DA9-008F-8B48-92A6-B652298478BF}" type="slidenum">
               <a:rPr lang="en-US" smtClean="0"/>
-              <a:t>‹nº›</a:t>
+              <a:t>‹#›</a:t>
             </a:fld>
             <a:endParaRPr lang="en-US"/>
           </a:p>
@@ -929,7 +932,7 @@
           <a:p>
             <a:fld id="{5BCAD085-E8A6-8845-BD4E-CB4CCA059FC4}" type="datetimeFigureOut">
               <a:rPr lang="en-US" smtClean="0"/>
-              <a:t>9/15/2025</a:t>
+              <a:t>9/18/2025</a:t>
             </a:fld>
             <a:endParaRPr lang="en-US"/>
           </a:p>
@@ -971,7 +974,7 @@
           <a:p>
             <a:fld id="{C1FF6DA9-008F-8B48-92A6-B652298478BF}" type="slidenum">
               <a:rPr lang="en-US" smtClean="0"/>
-              <a:t>‹nº›</a:t>
+              <a:t>‹#›</a:t>
             </a:fld>
             <a:endParaRPr lang="en-US"/>
           </a:p>
@@ -1097,7 +1100,7 @@
           <a:p>
             <a:fld id="{5BCAD085-E8A6-8845-BD4E-CB4CCA059FC4}" type="datetimeFigureOut">
               <a:rPr lang="en-US" smtClean="0"/>
-              <a:t>9/15/2025</a:t>
+              <a:t>9/18/2025</a:t>
             </a:fld>
             <a:endParaRPr lang="en-US"/>
           </a:p>
@@ -1139,7 +1142,7 @@
           <a:p>
             <a:fld id="{C1FF6DA9-008F-8B48-92A6-B652298478BF}" type="slidenum">
               <a:rPr lang="en-US" smtClean="0"/>
-              <a:t>‹nº›</a:t>
+              <a:t>‹#›</a:t>
             </a:fld>
             <a:endParaRPr lang="en-US"/>
           </a:p>
@@ -1342,7 +1345,7 @@
           <a:p>
             <a:fld id="{5BCAD085-E8A6-8845-BD4E-CB4CCA059FC4}" type="datetimeFigureOut">
               <a:rPr lang="en-US" smtClean="0"/>
-              <a:t>9/15/2025</a:t>
+              <a:t>9/18/2025</a:t>
             </a:fld>
             <a:endParaRPr lang="en-US"/>
           </a:p>
@@ -1384,7 +1387,7 @@
           <a:p>
             <a:fld id="{C1FF6DA9-008F-8B48-92A6-B652298478BF}" type="slidenum">
               <a:rPr lang="en-US" smtClean="0"/>
-              <a:t>‹nº›</a:t>
+              <a:t>‹#›</a:t>
             </a:fld>
             <a:endParaRPr lang="en-US"/>
           </a:p>
@@ -1627,7 +1630,7 @@
           <a:p>
             <a:fld id="{5BCAD085-E8A6-8845-BD4E-CB4CCA059FC4}" type="datetimeFigureOut">
               <a:rPr lang="en-US" smtClean="0"/>
-              <a:t>9/15/2025</a:t>
+              <a:t>9/18/2025</a:t>
             </a:fld>
             <a:endParaRPr lang="en-US"/>
           </a:p>
@@ -1669,7 +1672,7 @@
           <a:p>
             <a:fld id="{C1FF6DA9-008F-8B48-92A6-B652298478BF}" type="slidenum">
               <a:rPr lang="en-US" smtClean="0"/>
-              <a:t>‹nº›</a:t>
+              <a:t>‹#›</a:t>
             </a:fld>
             <a:endParaRPr lang="en-US"/>
           </a:p>
@@ -2046,7 +2049,7 @@
           <a:p>
             <a:fld id="{5BCAD085-E8A6-8845-BD4E-CB4CCA059FC4}" type="datetimeFigureOut">
               <a:rPr lang="en-US" smtClean="0"/>
-              <a:t>9/15/2025</a:t>
+              <a:t>9/18/2025</a:t>
             </a:fld>
             <a:endParaRPr lang="en-US"/>
           </a:p>
@@ -2088,7 +2091,7 @@
           <a:p>
             <a:fld id="{C1FF6DA9-008F-8B48-92A6-B652298478BF}" type="slidenum">
               <a:rPr lang="en-US" smtClean="0"/>
-              <a:t>‹nº›</a:t>
+              <a:t>‹#›</a:t>
             </a:fld>
             <a:endParaRPr lang="en-US"/>
           </a:p>
@@ -2163,7 +2166,7 @@
           <a:p>
             <a:fld id="{5BCAD085-E8A6-8845-BD4E-CB4CCA059FC4}" type="datetimeFigureOut">
               <a:rPr lang="en-US" smtClean="0"/>
-              <a:t>9/15/2025</a:t>
+              <a:t>9/18/2025</a:t>
             </a:fld>
             <a:endParaRPr lang="en-US"/>
           </a:p>
@@ -2205,7 +2208,7 @@
           <a:p>
             <a:fld id="{C1FF6DA9-008F-8B48-92A6-B652298478BF}" type="slidenum">
               <a:rPr lang="en-US" smtClean="0"/>
-              <a:t>‹nº›</a:t>
+              <a:t>‹#›</a:t>
             </a:fld>
             <a:endParaRPr lang="en-US"/>
           </a:p>
@@ -2258,7 +2261,7 @@
           <a:p>
             <a:fld id="{5BCAD085-E8A6-8845-BD4E-CB4CCA059FC4}" type="datetimeFigureOut">
               <a:rPr lang="en-US" smtClean="0"/>
-              <a:t>9/15/2025</a:t>
+              <a:t>9/18/2025</a:t>
             </a:fld>
             <a:endParaRPr lang="en-US"/>
           </a:p>
@@ -2300,7 +2303,7 @@
           <a:p>
             <a:fld id="{C1FF6DA9-008F-8B48-92A6-B652298478BF}" type="slidenum">
               <a:rPr lang="en-US" smtClean="0"/>
-              <a:t>‹nº›</a:t>
+              <a:t>‹#›</a:t>
             </a:fld>
             <a:endParaRPr lang="en-US"/>
           </a:p>
@@ -2533,7 +2536,7 @@
           <a:p>
             <a:fld id="{5BCAD085-E8A6-8845-BD4E-CB4CCA059FC4}" type="datetimeFigureOut">
               <a:rPr lang="en-US" smtClean="0"/>
-              <a:t>9/15/2025</a:t>
+              <a:t>9/18/2025</a:t>
             </a:fld>
             <a:endParaRPr lang="en-US"/>
           </a:p>
@@ -2575,7 +2578,7 @@
           <a:p>
             <a:fld id="{C1FF6DA9-008F-8B48-92A6-B652298478BF}" type="slidenum">
               <a:rPr lang="en-US" smtClean="0"/>
-              <a:t>‹nº›</a:t>
+              <a:t>‹#›</a:t>
             </a:fld>
             <a:endParaRPr lang="en-US"/>
           </a:p>
@@ -2785,7 +2788,7 @@
           <a:p>
             <a:fld id="{5BCAD085-E8A6-8845-BD4E-CB4CCA059FC4}" type="datetimeFigureOut">
               <a:rPr lang="en-US" smtClean="0"/>
-              <a:t>9/15/2025</a:t>
+              <a:t>9/18/2025</a:t>
             </a:fld>
             <a:endParaRPr lang="en-US"/>
           </a:p>
@@ -2827,7 +2830,7 @@
           <a:p>
             <a:fld id="{C1FF6DA9-008F-8B48-92A6-B652298478BF}" type="slidenum">
               <a:rPr lang="en-US" smtClean="0"/>
-              <a:t>‹nº›</a:t>
+              <a:t>‹#›</a:t>
             </a:fld>
             <a:endParaRPr lang="en-US"/>
           </a:p>
@@ -2996,7 +2999,7 @@
           <a:p>
             <a:fld id="{5BCAD085-E8A6-8845-BD4E-CB4CCA059FC4}" type="datetimeFigureOut">
               <a:rPr lang="en-US" smtClean="0"/>
-              <a:t>9/15/2025</a:t>
+              <a:t>9/18/2025</a:t>
             </a:fld>
             <a:endParaRPr lang="en-US"/>
           </a:p>
@@ -3074,7 +3077,7 @@
           <a:p>
             <a:fld id="{C1FF6DA9-008F-8B48-92A6-B652298478BF}" type="slidenum">
               <a:rPr lang="en-US" smtClean="0"/>
-              <a:t>‹nº›</a:t>
+              <a:t>‹#›</a:t>
             </a:fld>
             <a:endParaRPr lang="en-US"/>
           </a:p>
@@ -5468,6 +5471,13 @@
     <a:masterClrMapping/>
   </p:clrMapOvr>
 </p:sld>
+</file>
+
+<file path=ppt/tags/tag1.xml><?xml version="1.0" encoding="utf-8"?>
+<p:tagLst xmlns:a="http://schemas.openxmlformats.org/drawingml/2006/main" xmlns:r="http://schemas.openxmlformats.org/officeDocument/2006/relationships" xmlns:p="http://schemas.openxmlformats.org/presentationml/2006/main">
+  <p:tag name="EXCLUDEHIDDENSLIDES" val="False"/>
+  <p:tag name="NUMBEROFPAGES" val="5"/>
+</p:tagLst>
 </file>
 
 <file path=ppt/theme/theme1.xml><?xml version="1.0" encoding="utf-8"?>
@@ -5788,4 +5798,10 @@
   </a:objectDefaults>
   <a:extraClrSchemeLst/>
 </a:theme>
+</file>
+
+<file path=docMetadata/LabelInfo.xml><?xml version="1.0" encoding="utf-8"?>
+<clbl:labelList xmlns:clbl="http://schemas.microsoft.com/office/2020/mipLabelMetadata">
+  <clbl:label id="{3741da7a-79c1-417c-b408-16c0bfe99fca}" enabled="1" method="Standard" siteId="{1e355c04-e0a4-42ed-8e2d-7351591f0ef1}" contentBits="0" removed="0"/>
+</clbl:labelList>
 </file>